--- a/pres.pptx
+++ b/pres.pptx
@@ -2090,7 +2090,7 @@
           <a:p>
             <a:fld id="{3F20A69F-C83D-4780-BBD2-61A287874571}" type="datetimeFigureOut">
               <a:rPr lang="ru-RU" smtClean="0"/>
-              <a:t>05.05.2022</a:t>
+              <a:t>06.05.2022</a:t>
             </a:fld>
             <a:endParaRPr lang="ru-RU"/>
           </a:p>
@@ -6113,11 +6113,7 @@
             </a:r>
             <a:r>
               <a:rPr lang="ru-RU" dirty="0"/>
-              <a:t>сайт для мебельной </a:t>
-            </a:r>
-            <a:r>
-              <a:rPr lang="ru-RU" dirty="0" err="1"/>
-              <a:t>компаниии</a:t>
+              <a:t>сайт для мебельной компании</a:t>
             </a:r>
             <a:endParaRPr dirty="0"/>
           </a:p>
@@ -7060,11 +7056,11 @@
             </a:pPr>
             <a:r>
               <a:rPr lang="ru-RU" dirty="0"/>
-              <a:t>В з</a:t>
+              <a:t>В </a:t>
             </a:r>
             <a:r>
               <a:rPr lang="en-US" dirty="0"/>
-              <a:t>porducts.py </a:t>
+              <a:t>products.py </a:t>
             </a:r>
             <a:r>
               <a:rPr lang="ru-RU" dirty="0"/>
@@ -7250,7 +7246,7 @@
         </p:blipFill>
         <p:spPr>
           <a:xfrm>
-            <a:off x="768278" y="1501701"/>
+            <a:off x="682998" y="1559324"/>
             <a:ext cx="2372056" cy="2391109"/>
           </a:xfrm>
           <a:prstGeom prst="rect">
@@ -7280,7 +7276,7 @@
         </p:blipFill>
         <p:spPr>
           <a:xfrm>
-            <a:off x="5042424" y="1559830"/>
+            <a:off x="4871862" y="1513025"/>
             <a:ext cx="2864448" cy="2472292"/>
           </a:xfrm>
           <a:prstGeom prst="rect">
@@ -7478,7 +7474,7 @@
                   <a:schemeClr val="dk1"/>
                 </a:solidFill>
               </a:rPr>
-              <a:t>Улучшить админ-панель, а именно добавит возможность редактирования главной страницы</a:t>
+              <a:t>Улучшить админ-панель, а именно добавить возможность редактирования главной страницы</a:t>
             </a:r>
           </a:p>
         </p:txBody>
